--- a/课件/番外篇：外键那些事儿.pptx
+++ b/课件/番外篇：外键那些事儿.pptx
@@ -269,7 +269,7 @@
           <a:p>
             <a:fld id="{53C6B52F-6525-4206-B036-6784E9AFCA19}" type="datetimeFigureOut">
               <a:rPr lang="zh-CN" altLang="en-US" smtClean="0"/>
-              <a:t>2019/4/1</a:t>
+              <a:t>2019/4/4</a:t>
             </a:fld>
             <a:endParaRPr lang="zh-CN" altLang="en-US"/>
           </a:p>
@@ -467,7 +467,7 @@
           <a:p>
             <a:fld id="{53C6B52F-6525-4206-B036-6784E9AFCA19}" type="datetimeFigureOut">
               <a:rPr lang="zh-CN" altLang="en-US" smtClean="0"/>
-              <a:t>2019/4/1</a:t>
+              <a:t>2019/4/4</a:t>
             </a:fld>
             <a:endParaRPr lang="zh-CN" altLang="en-US"/>
           </a:p>
@@ -675,7 +675,7 @@
           <a:p>
             <a:fld id="{53C6B52F-6525-4206-B036-6784E9AFCA19}" type="datetimeFigureOut">
               <a:rPr lang="zh-CN" altLang="en-US" smtClean="0"/>
-              <a:t>2019/4/1</a:t>
+              <a:t>2019/4/4</a:t>
             </a:fld>
             <a:endParaRPr lang="zh-CN" altLang="en-US"/>
           </a:p>
@@ -873,7 +873,7 @@
           <a:p>
             <a:fld id="{53C6B52F-6525-4206-B036-6784E9AFCA19}" type="datetimeFigureOut">
               <a:rPr lang="zh-CN" altLang="en-US" smtClean="0"/>
-              <a:t>2019/4/1</a:t>
+              <a:t>2019/4/4</a:t>
             </a:fld>
             <a:endParaRPr lang="zh-CN" altLang="en-US"/>
           </a:p>
@@ -1148,7 +1148,7 @@
           <a:p>
             <a:fld id="{53C6B52F-6525-4206-B036-6784E9AFCA19}" type="datetimeFigureOut">
               <a:rPr lang="zh-CN" altLang="en-US" smtClean="0"/>
-              <a:t>2019/4/1</a:t>
+              <a:t>2019/4/4</a:t>
             </a:fld>
             <a:endParaRPr lang="zh-CN" altLang="en-US"/>
           </a:p>
@@ -1413,7 +1413,7 @@
           <a:p>
             <a:fld id="{53C6B52F-6525-4206-B036-6784E9AFCA19}" type="datetimeFigureOut">
               <a:rPr lang="zh-CN" altLang="en-US" smtClean="0"/>
-              <a:t>2019/4/1</a:t>
+              <a:t>2019/4/4</a:t>
             </a:fld>
             <a:endParaRPr lang="zh-CN" altLang="en-US"/>
           </a:p>
@@ -1825,7 +1825,7 @@
           <a:p>
             <a:fld id="{53C6B52F-6525-4206-B036-6784E9AFCA19}" type="datetimeFigureOut">
               <a:rPr lang="zh-CN" altLang="en-US" smtClean="0"/>
-              <a:t>2019/4/1</a:t>
+              <a:t>2019/4/4</a:t>
             </a:fld>
             <a:endParaRPr lang="zh-CN" altLang="en-US"/>
           </a:p>
@@ -1966,7 +1966,7 @@
           <a:p>
             <a:fld id="{53C6B52F-6525-4206-B036-6784E9AFCA19}" type="datetimeFigureOut">
               <a:rPr lang="zh-CN" altLang="en-US" smtClean="0"/>
-              <a:t>2019/4/1</a:t>
+              <a:t>2019/4/4</a:t>
             </a:fld>
             <a:endParaRPr lang="zh-CN" altLang="en-US"/>
           </a:p>
@@ -2079,7 +2079,7 @@
           <a:p>
             <a:fld id="{53C6B52F-6525-4206-B036-6784E9AFCA19}" type="datetimeFigureOut">
               <a:rPr lang="zh-CN" altLang="en-US" smtClean="0"/>
-              <a:t>2019/4/1</a:t>
+              <a:t>2019/4/4</a:t>
             </a:fld>
             <a:endParaRPr lang="zh-CN" altLang="en-US"/>
           </a:p>
@@ -2390,7 +2390,7 @@
           <a:p>
             <a:fld id="{53C6B52F-6525-4206-B036-6784E9AFCA19}" type="datetimeFigureOut">
               <a:rPr lang="zh-CN" altLang="en-US" smtClean="0"/>
-              <a:t>2019/4/1</a:t>
+              <a:t>2019/4/4</a:t>
             </a:fld>
             <a:endParaRPr lang="zh-CN" altLang="en-US"/>
           </a:p>
@@ -2678,7 +2678,7 @@
           <a:p>
             <a:fld id="{53C6B52F-6525-4206-B036-6784E9AFCA19}" type="datetimeFigureOut">
               <a:rPr lang="zh-CN" altLang="en-US" smtClean="0"/>
-              <a:t>2019/4/1</a:t>
+              <a:t>2019/4/4</a:t>
             </a:fld>
             <a:endParaRPr lang="zh-CN" altLang="en-US"/>
           </a:p>
@@ -2924,7 +2924,7 @@
           <a:p>
             <a:fld id="{53C6B52F-6525-4206-B036-6784E9AFCA19}" type="datetimeFigureOut">
               <a:rPr lang="zh-CN" altLang="en-US" smtClean="0"/>
-              <a:t>2019/4/1</a:t>
+              <a:t>2019/4/4</a:t>
             </a:fld>
             <a:endParaRPr lang="zh-CN" altLang="en-US"/>
           </a:p>
@@ -10339,7 +10339,7 @@
               </a:r>
               <a:r>
                 <a:rPr lang="zh-CN" altLang="en-US" sz="1600"/>
-                <a:t>）不同类型的内容</a:t>
+                <a:t>）相同类型的内容</a:t>
               </a:r>
             </a:p>
           </p:txBody>
@@ -19135,7 +19135,7 @@
         <p:spPr>
           <a:xfrm>
             <a:off x="6442748" y="5127953"/>
-            <a:ext cx="5262979" cy="1015663"/>
+            <a:ext cx="5262979" cy="1231106"/>
           </a:xfrm>
           <a:prstGeom prst="rect">
             <a:avLst/>
@@ -19171,7 +19171,14 @@
           <a:p>
             <a:r>
               <a:rPr lang="zh-CN" altLang="en-US" sz="1400"/>
-              <a:t>其中一个</a:t>
+              <a:t>其中一个字段是记录类型</a:t>
+            </a:r>
+            <a:endParaRPr lang="en-US" altLang="zh-CN" sz="1400"/>
+          </a:p>
+          <a:p>
+            <a:r>
+              <a:rPr lang="zh-CN" altLang="en-US" sz="1400"/>
+              <a:t>其中一个字段是记录值</a:t>
             </a:r>
             <a:endParaRPr lang="en-US" altLang="zh-CN" sz="1400"/>
           </a:p>
